--- a/Презентация.pptx
+++ b/Презентация.pptx
@@ -27,8 +27,6 @@
     <p:sldId id="264" r:id="rId22"/>
     <p:sldId id="265" r:id="rId23"/>
     <p:sldId id="266" r:id="rId24"/>
-    <p:sldId id="267" r:id="rId25"/>
-    <p:sldId id="268" r:id="rId26"/>
   </p:sldIdLst>
   <p:sldSz cx="8999538" cy="5040313"/>
   <p:notesSz cx="7559675" cy="10691813"/>
@@ -65,7 +63,7 @@
         <p:spPr>
           <a:xfrm>
             <a:off x="306720" y="729720"/>
-            <a:ext cx="8384760" cy="2009880"/>
+            <a:ext cx="8384400" cy="2009520"/>
           </a:xfrm>
           <a:prstGeom prst="rect">
             <a:avLst/>
@@ -149,7 +147,7 @@
         <p:txBody>
           <a:bodyPr/>
           <a:p>
-            <a:fld id="{A68E4CF7-392B-4C2A-B682-72B4996526EF}" type="slidenum">
+            <a:fld id="{4736A74B-28FC-4355-BA3E-8F7FDFB44EEE}" type="slidenum">
               <a:t>&lt;#&gt;</a:t>
             </a:fld>
           </a:p>
@@ -191,7 +189,7 @@
         <p:txBody>
           <a:bodyPr/>
           <a:p>
-            <a:fld id="{B09213D4-E2CC-45A1-A2E7-A65AF6C6578D}" type="slidenum">
+            <a:fld id="{00F63835-F2AA-44BD-A72F-DE5CDCD919D3}" type="slidenum">
               <a:t>&lt;#&gt;</a:t>
             </a:fld>
           </a:p>
@@ -233,7 +231,7 @@
         <p:txBody>
           <a:bodyPr/>
           <a:p>
-            <a:fld id="{1B897A91-578B-4956-9E0E-B3DA1F1BF798}" type="slidenum">
+            <a:fld id="{1DFB1075-9218-4023-B055-F77DCD26A0AD}" type="slidenum">
               <a:t>&lt;#&gt;</a:t>
             </a:fld>
           </a:p>
@@ -275,7 +273,7 @@
         <p:txBody>
           <a:bodyPr/>
           <a:p>
-            <a:fld id="{3C1F5F97-1A1E-4333-9BA1-AB7A1078BEE2}" type="slidenum">
+            <a:fld id="{5504DB24-5864-4520-B62F-271E2B384F82}" type="slidenum">
               <a:t>&lt;#&gt;</a:t>
             </a:fld>
           </a:p>
@@ -316,7 +314,7 @@
         <p:spPr>
           <a:xfrm>
             <a:off x="306720" y="729720"/>
-            <a:ext cx="8384760" cy="2009880"/>
+            <a:ext cx="8384400" cy="2009520"/>
           </a:xfrm>
           <a:prstGeom prst="rect">
             <a:avLst/>
@@ -397,7 +395,7 @@
         <p:txBody>
           <a:bodyPr/>
           <a:p>
-            <a:fld id="{FF4CC0F8-3A09-4E39-A2B2-68BF6944CAD6}" type="slidenum">
+            <a:fld id="{214E0E4A-8E33-4D81-98B2-97834C85BED2}" type="slidenum">
               <a:t>&lt;#&gt;</a:t>
             </a:fld>
           </a:p>
@@ -439,7 +437,7 @@
         <p:txBody>
           <a:bodyPr/>
           <a:p>
-            <a:fld id="{D4BAEEAC-5B05-421E-8F1B-0293DBAD150E}" type="slidenum">
+            <a:fld id="{6E1A7455-D294-4D27-8E56-67B1CFECDCF8}" type="slidenum">
               <a:t>&lt;#&gt;</a:t>
             </a:fld>
           </a:p>
@@ -481,7 +479,7 @@
         <p:txBody>
           <a:bodyPr/>
           <a:p>
-            <a:fld id="{4425C93E-37CB-4343-AE18-11477CBD6F0B}" type="slidenum">
+            <a:fld id="{7AED9999-8CA3-47D4-BBAD-A463773CBD0F}" type="slidenum">
               <a:t>&lt;#&gt;</a:t>
             </a:fld>
           </a:p>
@@ -523,7 +521,7 @@
         <p:txBody>
           <a:bodyPr/>
           <a:p>
-            <a:fld id="{13E0DD98-3111-484F-BF85-EBA452447B36}" type="slidenum">
+            <a:fld id="{96306915-5217-4289-A8A9-0346F86E8F7D}" type="slidenum">
               <a:t>&lt;#&gt;</a:t>
             </a:fld>
           </a:p>
@@ -564,7 +562,7 @@
         <p:spPr>
           <a:xfrm>
             <a:off x="306720" y="729720"/>
-            <a:ext cx="8384760" cy="2009880"/>
+            <a:ext cx="8384400" cy="2009520"/>
           </a:xfrm>
           <a:prstGeom prst="rect">
             <a:avLst/>
@@ -648,7 +646,7 @@
         <p:txBody>
           <a:bodyPr/>
           <a:p>
-            <a:fld id="{7F48E386-30FB-4772-AEDC-A9ED6F8E9D09}" type="slidenum">
+            <a:fld id="{98862446-5358-47F6-96D9-204215E76974}" type="slidenum">
               <a:t>&lt;#&gt;</a:t>
             </a:fld>
           </a:p>
@@ -689,7 +687,7 @@
         <p:spPr>
           <a:xfrm>
             <a:off x="306720" y="729720"/>
-            <a:ext cx="8384760" cy="2009880"/>
+            <a:ext cx="8384400" cy="2009520"/>
           </a:xfrm>
           <a:prstGeom prst="rect">
             <a:avLst/>
@@ -816,7 +814,7 @@
         <p:txBody>
           <a:bodyPr/>
           <a:p>
-            <a:fld id="{18EB3280-160C-455F-A5FB-557B035E2BB7}" type="slidenum">
+            <a:fld id="{A83409C4-2ED8-4E6F-961C-F324BA589A63}" type="slidenum">
               <a:t>&lt;#&gt;</a:t>
             </a:fld>
           </a:p>
@@ -857,7 +855,7 @@
         <p:spPr>
           <a:xfrm>
             <a:off x="306720" y="729720"/>
-            <a:ext cx="8384760" cy="2009880"/>
+            <a:ext cx="8384400" cy="2009520"/>
           </a:xfrm>
           <a:prstGeom prst="rect">
             <a:avLst/>
@@ -898,7 +896,7 @@
         <p:txBody>
           <a:bodyPr/>
           <a:p>
-            <a:fld id="{4DA9ADDA-3922-47C5-89FA-58B4F2D53867}" type="slidenum">
+            <a:fld id="{45F5D176-3D9B-411E-AC4A-364679D976CD}" type="slidenum">
               <a:t>&lt;#&gt;</a:t>
             </a:fld>
           </a:p>
@@ -940,7 +938,7 @@
         <p:txBody>
           <a:bodyPr/>
           <a:p>
-            <a:fld id="{556F26EF-BD20-4BA5-8F4A-189C98B42417}" type="slidenum">
+            <a:fld id="{2DF07CFF-61C2-487F-AF3D-3C2928D5C787}" type="slidenum">
               <a:t>&lt;#&gt;</a:t>
             </a:fld>
           </a:p>
@@ -988,7 +986,7 @@
         <p:spPr>
           <a:xfrm>
             <a:off x="306720" y="729720"/>
-            <a:ext cx="8384760" cy="2009880"/>
+            <a:ext cx="8384400" cy="2009520"/>
           </a:xfrm>
           <a:prstGeom prst="rect">
             <a:avLst/>
@@ -1262,7 +1260,7 @@
         <p:spPr>
           <a:xfrm>
             <a:off x="8339040" y="4569480"/>
-            <a:ext cx="538200" cy="383760"/>
+            <a:ext cx="537840" cy="383400"/>
           </a:xfrm>
           <a:prstGeom prst="rect">
             <a:avLst/>
@@ -1304,7 +1302,7 @@
                 <a:tab algn="l" pos="0"/>
               </a:tabLst>
             </a:pPr>
-            <a:fld id="{3BEA49E9-AD42-4A80-B836-D64D4C47F47B}" type="slidenum">
+            <a:fld id="{77715EDE-0DB4-41F9-80C4-6721AA9F076D}" type="slidenum">
               <a:rPr b="0" lang="ru" sz="1000" spc="-1" strike="noStrike">
                 <a:solidFill>
                   <a:schemeClr val="dk2"/>
@@ -1369,7 +1367,7 @@
         <p:spPr>
           <a:xfrm>
             <a:off x="8339040" y="4569480"/>
-            <a:ext cx="538200" cy="383760"/>
+            <a:ext cx="537840" cy="383400"/>
           </a:xfrm>
           <a:prstGeom prst="rect">
             <a:avLst/>
@@ -1411,7 +1409,7 @@
                 <a:tab algn="l" pos="0"/>
               </a:tabLst>
             </a:pPr>
-            <a:fld id="{6456B6FB-84B8-4CFD-9009-75300375BA0A}" type="slidenum">
+            <a:fld id="{03560B16-CC3A-4BAA-B83C-64BADEA2C181}" type="slidenum">
               <a:rPr b="0" lang="ru" sz="1000" spc="-1" strike="noStrike">
                 <a:solidFill>
                   <a:schemeClr val="dk2"/>
@@ -1472,7 +1470,7 @@
         <p:spPr>
           <a:xfrm>
             <a:off x="4500000" y="0"/>
-            <a:ext cx="4498200" cy="5038200"/>
+            <a:ext cx="4497840" cy="5037840"/>
           </a:xfrm>
           <a:prstGeom prst="rect">
             <a:avLst/>
@@ -1525,7 +1523,7 @@
         <p:spPr>
           <a:xfrm>
             <a:off x="8339040" y="4569480"/>
-            <a:ext cx="538200" cy="383760"/>
+            <a:ext cx="537840" cy="383400"/>
           </a:xfrm>
           <a:prstGeom prst="rect">
             <a:avLst/>
@@ -1567,7 +1565,7 @@
                 <a:tab algn="l" pos="0"/>
               </a:tabLst>
             </a:pPr>
-            <a:fld id="{FB513CA2-1B9B-447A-9307-44F09CA23B5E}" type="slidenum">
+            <a:fld id="{7C38E3AD-9764-41B7-AD5F-FD1C4205D227}" type="slidenum">
               <a:rPr b="0" lang="ru" sz="1000" spc="-1" strike="noStrike">
                 <a:solidFill>
                   <a:schemeClr val="dk2"/>
@@ -1632,7 +1630,7 @@
         <p:spPr>
           <a:xfrm>
             <a:off x="8339040" y="4569480"/>
-            <a:ext cx="538200" cy="383760"/>
+            <a:ext cx="537840" cy="383400"/>
           </a:xfrm>
           <a:prstGeom prst="rect">
             <a:avLst/>
@@ -1674,7 +1672,7 @@
                 <a:tab algn="l" pos="0"/>
               </a:tabLst>
             </a:pPr>
-            <a:fld id="{0C9FD842-2293-4B98-AEC2-96F9A62FF213}" type="slidenum">
+            <a:fld id="{5A10692F-E55A-48AE-B003-DE5D989F3889}" type="slidenum">
               <a:rPr b="0" lang="ru" sz="1000" spc="-1" strike="noStrike">
                 <a:solidFill>
                   <a:schemeClr val="dk2"/>
@@ -1739,7 +1737,7 @@
         <p:spPr>
           <a:xfrm>
             <a:off x="306720" y="729720"/>
-            <a:ext cx="8384760" cy="2009880"/>
+            <a:ext cx="8384400" cy="2009520"/>
           </a:xfrm>
           <a:prstGeom prst="rect">
             <a:avLst/>
@@ -1788,7 +1786,7 @@
         <p:spPr>
           <a:xfrm>
             <a:off x="8339040" y="4569480"/>
-            <a:ext cx="538200" cy="383760"/>
+            <a:ext cx="537840" cy="383400"/>
           </a:xfrm>
           <a:prstGeom prst="rect">
             <a:avLst/>
@@ -1830,7 +1828,7 @@
                 <a:tab algn="l" pos="0"/>
               </a:tabLst>
             </a:pPr>
-            <a:fld id="{723F31D8-170B-4A2B-828E-685496BCD871}" type="slidenum">
+            <a:fld id="{7AEE5F48-D08A-4581-8382-224761ADD186}" type="slidenum">
               <a:rPr b="0" lang="ru" sz="1000" spc="-1" strike="noStrike">
                 <a:solidFill>
                   <a:schemeClr val="dk2"/>
@@ -2120,7 +2118,7 @@
         <p:spPr>
           <a:xfrm>
             <a:off x="8339040" y="4569480"/>
-            <a:ext cx="538200" cy="383760"/>
+            <a:ext cx="537840" cy="383400"/>
           </a:xfrm>
           <a:prstGeom prst="rect">
             <a:avLst/>
@@ -2162,7 +2160,7 @@
                 <a:tab algn="l" pos="0"/>
               </a:tabLst>
             </a:pPr>
-            <a:fld id="{5320C240-0141-4D6F-9BCE-C7EF44D8A9D6}" type="slidenum">
+            <a:fld id="{875BE8FE-ECEF-40DA-BD89-14095EB992D0}" type="slidenum">
               <a:rPr b="0" lang="ru" sz="1000" spc="-1" strike="noStrike">
                 <a:solidFill>
                   <a:schemeClr val="dk2"/>
@@ -2227,7 +2225,7 @@
         <p:spPr>
           <a:xfrm>
             <a:off x="8339040" y="4569480"/>
-            <a:ext cx="538200" cy="383760"/>
+            <a:ext cx="537840" cy="383400"/>
           </a:xfrm>
           <a:prstGeom prst="rect">
             <a:avLst/>
@@ -2269,7 +2267,7 @@
                 <a:tab algn="l" pos="0"/>
               </a:tabLst>
             </a:pPr>
-            <a:fld id="{537D6B63-C082-47DA-AE74-99A87A4407BE}" type="slidenum">
+            <a:fld id="{08EAB745-86D6-4192-909D-54449EB979F9}" type="slidenum">
               <a:rPr b="0" lang="ru" sz="1000" spc="-1" strike="noStrike">
                 <a:solidFill>
                   <a:schemeClr val="dk2"/>
@@ -2334,7 +2332,7 @@
         <p:spPr>
           <a:xfrm>
             <a:off x="8339040" y="4569480"/>
-            <a:ext cx="538200" cy="383760"/>
+            <a:ext cx="537840" cy="383400"/>
           </a:xfrm>
           <a:prstGeom prst="rect">
             <a:avLst/>
@@ -2376,7 +2374,7 @@
                 <a:tab algn="l" pos="0"/>
               </a:tabLst>
             </a:pPr>
-            <a:fld id="{40865F9D-72CB-4DC0-AFD0-C0F6188E7895}" type="slidenum">
+            <a:fld id="{24AAB64C-5E23-4767-9A7B-38F5DD7AE796}" type="slidenum">
               <a:rPr b="0" lang="ru" sz="1000" spc="-1" strike="noStrike">
                 <a:solidFill>
                   <a:schemeClr val="dk2"/>
@@ -2441,7 +2439,7 @@
         <p:spPr>
           <a:xfrm>
             <a:off x="306720" y="729720"/>
-            <a:ext cx="8384760" cy="2009880"/>
+            <a:ext cx="8384400" cy="2009520"/>
           </a:xfrm>
           <a:prstGeom prst="rect">
             <a:avLst/>
@@ -2715,7 +2713,7 @@
         <p:spPr>
           <a:xfrm>
             <a:off x="8339040" y="4569480"/>
-            <a:ext cx="538200" cy="383760"/>
+            <a:ext cx="537840" cy="383400"/>
           </a:xfrm>
           <a:prstGeom prst="rect">
             <a:avLst/>
@@ -2757,7 +2755,7 @@
                 <a:tab algn="l" pos="0"/>
               </a:tabLst>
             </a:pPr>
-            <a:fld id="{E0765441-98B2-4A93-B4A0-B1C436E40427}" type="slidenum">
+            <a:fld id="{ED0233B6-A67A-46F1-B9E0-316D685C5840}" type="slidenum">
               <a:rPr b="0" lang="ru" sz="1000" spc="-1" strike="noStrike">
                 <a:solidFill>
                   <a:schemeClr val="dk2"/>
@@ -2822,7 +2820,7 @@
         <p:spPr>
           <a:xfrm>
             <a:off x="306720" y="729720"/>
-            <a:ext cx="8384760" cy="2009880"/>
+            <a:ext cx="8384400" cy="2009520"/>
           </a:xfrm>
           <a:prstGeom prst="rect">
             <a:avLst/>
@@ -3321,7 +3319,7 @@
         <p:spPr>
           <a:xfrm>
             <a:off x="8339040" y="4569480"/>
-            <a:ext cx="538200" cy="383760"/>
+            <a:ext cx="537840" cy="383400"/>
           </a:xfrm>
           <a:prstGeom prst="rect">
             <a:avLst/>
@@ -3363,7 +3361,7 @@
                 <a:tab algn="l" pos="0"/>
               </a:tabLst>
             </a:pPr>
-            <a:fld id="{1AFC9027-E083-4414-94C1-EE638BFD59AD}" type="slidenum">
+            <a:fld id="{315FA3F0-C041-4B3C-A206-E8A34EDD2E1F}" type="slidenum">
               <a:rPr b="0" lang="ru" sz="1000" spc="-1" strike="noStrike">
                 <a:solidFill>
                   <a:schemeClr val="dk2"/>
@@ -3428,7 +3426,7 @@
         <p:spPr>
           <a:xfrm>
             <a:off x="306720" y="729720"/>
-            <a:ext cx="8384760" cy="2009880"/>
+            <a:ext cx="8384400" cy="2009520"/>
           </a:xfrm>
           <a:prstGeom prst="rect">
             <a:avLst/>
@@ -3477,7 +3475,7 @@
         <p:spPr>
           <a:xfrm>
             <a:off x="8339040" y="4569480"/>
-            <a:ext cx="538200" cy="383760"/>
+            <a:ext cx="537840" cy="383400"/>
           </a:xfrm>
           <a:prstGeom prst="rect">
             <a:avLst/>
@@ -3519,7 +3517,7 @@
                 <a:tab algn="l" pos="0"/>
               </a:tabLst>
             </a:pPr>
-            <a:fld id="{CB0E0F64-5CA6-4EB4-9E62-5FCB4292B3DF}" type="slidenum">
+            <a:fld id="{7B69FD34-B910-4498-8623-8B4A9B3794AF}" type="slidenum">
               <a:rPr b="0" lang="ru" sz="1000" spc="-1" strike="noStrike">
                 <a:solidFill>
                   <a:schemeClr val="dk2"/>
@@ -3584,7 +3582,7 @@
         <p:spPr>
           <a:xfrm>
             <a:off x="8339040" y="4569480"/>
-            <a:ext cx="538200" cy="383760"/>
+            <a:ext cx="537840" cy="383400"/>
           </a:xfrm>
           <a:prstGeom prst="rect">
             <a:avLst/>
@@ -3626,7 +3624,7 @@
                 <a:tab algn="l" pos="0"/>
               </a:tabLst>
             </a:pPr>
-            <a:fld id="{4FA027C5-40BD-4543-AA1F-356582408B15}" type="slidenum">
+            <a:fld id="{E3C2AFD4-C139-464B-8D47-A6F546B5FE6B}" type="slidenum">
               <a:rPr b="0" lang="ru" sz="1000" spc="-1" strike="noStrike">
                 <a:solidFill>
                   <a:schemeClr val="dk2"/>
@@ -3680,7 +3678,7 @@
         <p:spPr>
           <a:xfrm>
             <a:off x="360" y="360"/>
-            <a:ext cx="8998200" cy="5038200"/>
+            <a:ext cx="8997840" cy="5037840"/>
           </a:xfrm>
           <a:prstGeom prst="rect">
             <a:avLst/>
@@ -3733,7 +3731,7 @@
         <p:spPr>
           <a:xfrm>
             <a:off x="7729560" y="156240"/>
-            <a:ext cx="846000" cy="413640"/>
+            <a:ext cx="845640" cy="413280"/>
           </a:xfrm>
           <a:prstGeom prst="rect">
             <a:avLst/>
@@ -3756,7 +3754,7 @@
         <p:spPr>
           <a:xfrm>
             <a:off x="5145840" y="1620000"/>
-            <a:ext cx="5050440" cy="8315640"/>
+            <a:ext cx="5050080" cy="8315280"/>
           </a:xfrm>
           <a:prstGeom prst="rect">
             <a:avLst/>
@@ -3775,7 +3773,7 @@
         <p:spPr>
           <a:xfrm>
             <a:off x="360000" y="1980000"/>
-            <a:ext cx="8087040" cy="2878560"/>
+            <a:ext cx="8086680" cy="2878200"/>
           </a:xfrm>
           <a:prstGeom prst="rect">
             <a:avLst/>
@@ -3961,7 +3959,7 @@
         <p:spPr>
           <a:xfrm>
             <a:off x="340920" y="384480"/>
-            <a:ext cx="8246160" cy="768960"/>
+            <a:ext cx="8245800" cy="768600"/>
           </a:xfrm>
           <a:prstGeom prst="rect">
             <a:avLst/>
@@ -4018,7 +4016,7 @@
         <p:spPr>
           <a:xfrm>
             <a:off x="540000" y="2007000"/>
-            <a:ext cx="1971000" cy="332640"/>
+            <a:ext cx="1970640" cy="332280"/>
           </a:xfrm>
           <a:prstGeom prst="rect">
             <a:avLst/>
@@ -4095,14 +4093,14 @@
       </p:grpSpPr>
       <p:sp>
         <p:nvSpPr>
-          <p:cNvPr id="73" name="Google Shape;82;p 4"/>
+          <p:cNvPr id="73" name="Google Shape;82;p 5"/>
           <p:cNvSpPr/>
           <p:nvPr/>
         </p:nvSpPr>
         <p:spPr>
           <a:xfrm>
-            <a:off x="12960" y="-9720"/>
-            <a:ext cx="8998200" cy="5038200"/>
+            <a:off x="0" y="2520"/>
+            <a:ext cx="8997840" cy="5037840"/>
           </a:xfrm>
           <a:prstGeom prst="rect">
             <a:avLst/>
@@ -4144,7 +4142,7 @@
       </p:sp>
       <p:pic>
         <p:nvPicPr>
-          <p:cNvPr id="74" name="Google Shape;83;p 5" descr=""/>
+          <p:cNvPr id="74" name="Google Shape;83;p 6" descr=""/>
           <p:cNvPicPr/>
           <p:nvPr/>
         </p:nvPicPr>
@@ -4155,7 +4153,7 @@
         <p:spPr>
           <a:xfrm>
             <a:off x="388800" y="4493160"/>
-            <a:ext cx="846000" cy="413640"/>
+            <a:ext cx="845640" cy="413280"/>
           </a:xfrm>
           <a:prstGeom prst="rect">
             <a:avLst/>
@@ -4167,14 +4165,14 @@
       </p:pic>
       <p:sp>
         <p:nvSpPr>
-          <p:cNvPr id="75" name="Google Shape;84;p 6"/>
+          <p:cNvPr id="75" name="Google Shape;84;p 7"/>
           <p:cNvSpPr/>
           <p:nvPr/>
         </p:nvSpPr>
         <p:spPr>
           <a:xfrm>
             <a:off x="340920" y="384480"/>
-            <a:ext cx="8246160" cy="768960"/>
+            <a:ext cx="8245800" cy="768600"/>
           </a:xfrm>
           <a:prstGeom prst="rect">
             <a:avLst/>
@@ -4211,7 +4209,7 @@
                 <a:latin typeface="Montserrat"/>
                 <a:ea typeface="Montserrat"/>
               </a:rPr>
-              <a:t>Гипотеза 4.</a:t>
+              <a:t>Выводы по результатам исследования.</a:t>
             </a:r>
             <a:endParaRPr b="0" lang="ru-RU" sz="2800" spc="-1" strike="noStrike">
               <a:solidFill>
@@ -4224,14 +4222,14 @@
       </p:sp>
       <p:sp>
         <p:nvSpPr>
-          <p:cNvPr id="76" name="Google Shape;85;p 6"/>
+          <p:cNvPr id="76" name="Google Shape;85;p 7"/>
           <p:cNvSpPr/>
           <p:nvPr/>
         </p:nvSpPr>
         <p:spPr>
           <a:xfrm>
             <a:off x="360000" y="1154880"/>
-            <a:ext cx="7558560" cy="3494880"/>
+            <a:ext cx="7558200" cy="3494520"/>
           </a:xfrm>
           <a:prstGeom prst="rect">
             <a:avLst/>
@@ -4276,7 +4274,7 @@
                 <a:latin typeface="Montserrat"/>
                 <a:ea typeface="Montserrat"/>
               </a:rPr>
-              <a:t>Средний показатель будущих возвратов у группы клиентов, использующих меньшее количество устройств для входа - меньше, чем у клиентов использующих большее количество устройств для входа</a:t>
+              <a:t>Клиентам с высокой долей возвратов не стоит рекомендовать или предлагать дорогие товары, так как с большей вероятностью они их вернут.</a:t>
             </a:r>
             <a:endParaRPr b="0" lang="ru-RU" sz="1400" spc="-1" strike="noStrike">
               <a:solidFill>
@@ -4310,7 +4308,7 @@
                 <a:latin typeface="Montserrat"/>
                 <a:ea typeface="Montserrat"/>
               </a:rPr>
-              <a:t>Для проверки гипотезы использовался тест «H-критерий Краскела — Уоллиса»</a:t>
+              <a:t>На возвраты клиентов не влияет интервал между покупкой и регистрацией – возможно, не стоит планировать маркетинговые стратегии основываясь на этих данных.</a:t>
             </a:r>
             <a:endParaRPr b="0" lang="ru-RU" sz="1400" spc="-1" strike="noStrike">
               <a:solidFill>
@@ -4344,41 +4342,7 @@
                 <a:latin typeface="Montserrat"/>
                 <a:ea typeface="Montserrat"/>
               </a:rPr>
-              <a:t>При уровне значимости 5% обнаружена статистически значимая разница между группами (p-value =  2.28e-58, h-stat = -4.01)</a:t>
-            </a:r>
-            <a:endParaRPr b="0" lang="ru-RU" sz="1400" spc="-1" strike="noStrike">
-              <a:solidFill>
-                <a:srgbClr val="000000"/>
-              </a:solidFill>
-              <a:latin typeface="Arial"/>
-            </a:endParaRPr>
-          </a:p>
-          <a:p>
-            <a:pPr marL="457200" indent="-355680">
-              <a:lnSpc>
-                <a:spcPct val="115000"/>
-              </a:lnSpc>
-              <a:spcBef>
-                <a:spcPts val="1191"/>
-              </a:spcBef>
-              <a:spcAft>
-                <a:spcPts val="992"/>
-              </a:spcAft>
-              <a:buClr>
-                <a:srgbClr val="ffffff"/>
-              </a:buClr>
-              <a:buFont typeface="Montserrat"/>
-              <a:buChar char="■"/>
-            </a:pPr>
-            <a:r>
-              <a:rPr b="0" lang="ru" sz="1400" spc="-1" strike="noStrike">
-                <a:solidFill>
-                  <a:schemeClr val="lt1"/>
-                </a:solidFill>
-                <a:latin typeface="Montserrat"/>
-                <a:ea typeface="Montserrat"/>
-              </a:rPr>
-              <a:t>Клиенты, использующии большее количество устройст для входа, в среднем имеет более высокий уровень возвратов, чем клиенты использующии небольшое количество устрой на аккаунт. </a:t>
+              <a:t>Стоит обратить внимание на пользователей, использующих много устройств на одном аккаунте – возможна подозрительная активность или несогласованность действий различных пользователей (например, семейный аккаунт общего пользования).</a:t>
             </a:r>
             <a:endParaRPr b="0" lang="ru-RU" sz="1400" spc="-1" strike="noStrike">
               <a:solidFill>
@@ -4413,7 +4377,7 @@
       </p:sp>
       <p:pic>
         <p:nvPicPr>
-          <p:cNvPr id="77" name="Google Shape;125;p 4" descr=""/>
+          <p:cNvPr id="77" name="Google Shape;125;p 5" descr=""/>
           <p:cNvPicPr/>
           <p:nvPr/>
         </p:nvPicPr>
@@ -4423,8 +4387,8 @@
         </p:blipFill>
         <p:spPr>
           <a:xfrm>
-            <a:off x="7981200" y="2520000"/>
-            <a:ext cx="948600" cy="2485080"/>
+            <a:off x="7920000" y="2520000"/>
+            <a:ext cx="948240" cy="2484720"/>
           </a:xfrm>
           <a:prstGeom prst="rect">
             <a:avLst/>
@@ -4464,69 +4428,16 @@
           <a:chExt cx="0" cy="0"/>
         </a:xfrm>
       </p:grpSpPr>
-      <p:pic>
-        <p:nvPicPr>
-          <p:cNvPr id="78" name="" descr=""/>
-          <p:cNvPicPr/>
-          <p:nvPr/>
-        </p:nvPicPr>
-        <p:blipFill>
-          <a:blip r:embed="rId1"/>
-          <a:stretch/>
-        </p:blipFill>
-        <p:spPr>
-          <a:xfrm>
-            <a:off x="914400" y="194760"/>
-            <a:ext cx="7504560" cy="4590000"/>
-          </a:xfrm>
-          <a:prstGeom prst="rect">
-            <a:avLst/>
-          </a:prstGeom>
-          <a:ln w="0">
-            <a:noFill/>
-          </a:ln>
-        </p:spPr>
-      </p:pic>
-    </p:spTree>
-  </p:cSld>
-  <mc:AlternateContent>
-    <mc:Choice Requires="p14">
-      <p:transition spd="slow" p14:dur="2000"/>
-    </mc:Choice>
-    <mc:Fallback>
-      <p:transition spd="slow"/>
-    </mc:Fallback>
-  </mc:AlternateContent>
-</p:sld>
-</file>
-
-<file path=ppt/slides/slide12.xml><?xml version="1.0" encoding="utf-8"?>
-<p:sld xmlns:a="http://schemas.openxmlformats.org/drawingml/2006/main" xmlns:p="http://schemas.openxmlformats.org/presentationml/2006/main" xmlns:r="http://schemas.openxmlformats.org/officeDocument/2006/relationships" xmlns:p14="http://schemas.microsoft.com/office/powerpoint/2010/main" xmlns:p15="http://schemas.microsoft.com/office/powerpoint/2012/main" xmlns:mc="http://schemas.openxmlformats.org/markup-compatibility/2006">
-  <p:cSld>
-    <p:spTree>
-      <p:nvGrpSpPr>
-        <p:cNvPr id="1" name=""/>
-        <p:cNvGrpSpPr/>
-        <p:nvPr/>
-      </p:nvGrpSpPr>
-      <p:grpSpPr>
-        <a:xfrm>
-          <a:off x="0" y="0"/>
-          <a:ext cx="0" cy="0"/>
-          <a:chOff x="0" y="0"/>
-          <a:chExt cx="0" cy="0"/>
-        </a:xfrm>
-      </p:grpSpPr>
       <p:sp>
         <p:nvSpPr>
-          <p:cNvPr id="79" name="Google Shape;82;p 5"/>
+          <p:cNvPr id="78" name="Google Shape;141;p28"/>
           <p:cNvSpPr/>
           <p:nvPr/>
         </p:nvSpPr>
         <p:spPr>
           <a:xfrm>
-            <a:off x="12960" y="-9720"/>
-            <a:ext cx="8998200" cy="5038200"/>
+            <a:off x="0" y="0"/>
+            <a:ext cx="8997840" cy="5037840"/>
           </a:xfrm>
           <a:prstGeom prst="rect">
             <a:avLst/>
@@ -4552,10 +4463,13 @@
             <a:noAutofit/>
           </a:bodyPr>
           <a:p>
-            <a:pPr>
+            <a:pPr algn="ctr">
               <a:lnSpc>
                 <a:spcPct val="100000"/>
               </a:lnSpc>
+              <a:tabLst>
+                <a:tab algn="l" pos="0"/>
+              </a:tabLst>
             </a:pPr>
             <a:endParaRPr b="0" lang="ru-RU" sz="1400" spc="-1" strike="noStrike">
               <a:solidFill>
@@ -4568,7 +4482,7 @@
       </p:sp>
       <p:pic>
         <p:nvPicPr>
-          <p:cNvPr id="80" name="Google Shape;83;p 6" descr=""/>
+          <p:cNvPr id="79" name="Google Shape;142;p28" descr=""/>
           <p:cNvPicPr/>
           <p:nvPr/>
         </p:nvPicPr>
@@ -4578,8 +4492,8 @@
         </p:blipFill>
         <p:spPr>
           <a:xfrm>
-            <a:off x="388800" y="4493160"/>
-            <a:ext cx="846000" cy="413640"/>
+            <a:off x="419400" y="4491360"/>
+            <a:ext cx="845640" cy="413280"/>
           </a:xfrm>
           <a:prstGeom prst="rect">
             <a:avLst/>
@@ -4591,14 +4505,14 @@
       </p:pic>
       <p:sp>
         <p:nvSpPr>
-          <p:cNvPr id="81" name="Google Shape;84;p 7"/>
+          <p:cNvPr id="80" name="Google Shape;143;p28"/>
           <p:cNvSpPr/>
           <p:nvPr/>
         </p:nvSpPr>
         <p:spPr>
           <a:xfrm>
-            <a:off x="340920" y="384480"/>
-            <a:ext cx="8246160" cy="768960"/>
+            <a:off x="348840" y="633240"/>
+            <a:ext cx="7345080" cy="1145520"/>
           </a:xfrm>
           <a:prstGeom prst="rect">
             <a:avLst/>
@@ -4623,380 +4537,6 @@
               <a:lnSpc>
                 <a:spcPct val="100000"/>
               </a:lnSpc>
-              <a:tabLst>
-                <a:tab algn="l" pos="0"/>
-              </a:tabLst>
-            </a:pPr>
-            <a:r>
-              <a:rPr b="1" lang="ru" sz="2800" spc="-1" strike="noStrike">
-                <a:solidFill>
-                  <a:schemeClr val="lt1"/>
-                </a:solidFill>
-                <a:latin typeface="Montserrat"/>
-                <a:ea typeface="Montserrat"/>
-              </a:rPr>
-              <a:t>Выводы по результатам исследования.</a:t>
-            </a:r>
-            <a:endParaRPr b="0" lang="ru-RU" sz="2800" spc="-1" strike="noStrike">
-              <a:solidFill>
-                <a:srgbClr val="000000"/>
-              </a:solidFill>
-              <a:latin typeface="Arial"/>
-            </a:endParaRPr>
-          </a:p>
-        </p:txBody>
-      </p:sp>
-      <p:sp>
-        <p:nvSpPr>
-          <p:cNvPr id="82" name="Google Shape;85;p 7"/>
-          <p:cNvSpPr/>
-          <p:nvPr/>
-        </p:nvSpPr>
-        <p:spPr>
-          <a:xfrm>
-            <a:off x="360000" y="1154880"/>
-            <a:ext cx="7558560" cy="3494880"/>
-          </a:xfrm>
-          <a:prstGeom prst="rect">
-            <a:avLst/>
-          </a:prstGeom>
-          <a:noFill/>
-          <a:ln w="0">
-            <a:noFill/>
-          </a:ln>
-        </p:spPr>
-        <p:style>
-          <a:lnRef idx="0"/>
-          <a:fillRef idx="0"/>
-          <a:effectRef idx="0"/>
-          <a:fontRef idx="minor"/>
-        </p:style>
-        <p:txBody>
-          <a:bodyPr lIns="90000" rIns="90000" tIns="91440" bIns="91440" anchor="t">
-            <a:noAutofit/>
-          </a:bodyPr>
-          <a:p>
-            <a:pPr marL="457200" indent="-355680">
-              <a:lnSpc>
-                <a:spcPct val="115000"/>
-              </a:lnSpc>
-              <a:spcBef>
-                <a:spcPts val="1191"/>
-              </a:spcBef>
-              <a:spcAft>
-                <a:spcPts val="992"/>
-              </a:spcAft>
-              <a:buClr>
-                <a:srgbClr val="ffffff"/>
-              </a:buClr>
-              <a:buFont typeface="Montserrat"/>
-              <a:buChar char="■"/>
-            </a:pPr>
-            <a:r>
-              <a:rPr b="0" lang="ru" sz="1400" spc="-1" strike="noStrike">
-                <a:solidFill>
-                  <a:schemeClr val="lt1"/>
-                </a:solidFill>
-                <a:latin typeface="Montserrat"/>
-                <a:ea typeface="Montserrat"/>
-              </a:rPr>
-              <a:t>Первый</a:t>
-            </a:r>
-            <a:endParaRPr b="0" lang="ru-RU" sz="1400" spc="-1" strike="noStrike">
-              <a:solidFill>
-                <a:srgbClr val="000000"/>
-              </a:solidFill>
-              <a:latin typeface="Arial"/>
-            </a:endParaRPr>
-          </a:p>
-          <a:p>
-            <a:pPr marL="457200" indent="-355680">
-              <a:lnSpc>
-                <a:spcPct val="115000"/>
-              </a:lnSpc>
-              <a:spcBef>
-                <a:spcPts val="1191"/>
-              </a:spcBef>
-              <a:spcAft>
-                <a:spcPts val="992"/>
-              </a:spcAft>
-              <a:buClr>
-                <a:srgbClr val="ffffff"/>
-              </a:buClr>
-              <a:buFont typeface="Montserrat"/>
-              <a:buChar char="■"/>
-            </a:pPr>
-            <a:r>
-              <a:rPr b="0" lang="ru" sz="1400" spc="-1" strike="noStrike">
-                <a:solidFill>
-                  <a:schemeClr val="lt1"/>
-                </a:solidFill>
-                <a:latin typeface="Montserrat"/>
-                <a:ea typeface="Montserrat"/>
-              </a:rPr>
-              <a:t>Второй</a:t>
-            </a:r>
-            <a:endParaRPr b="0" lang="ru-RU" sz="1400" spc="-1" strike="noStrike">
-              <a:solidFill>
-                <a:srgbClr val="000000"/>
-              </a:solidFill>
-              <a:latin typeface="Arial"/>
-            </a:endParaRPr>
-          </a:p>
-          <a:p>
-            <a:pPr marL="457200" indent="-355680">
-              <a:lnSpc>
-                <a:spcPct val="115000"/>
-              </a:lnSpc>
-              <a:spcBef>
-                <a:spcPts val="1191"/>
-              </a:spcBef>
-              <a:spcAft>
-                <a:spcPts val="992"/>
-              </a:spcAft>
-              <a:buClr>
-                <a:srgbClr val="ffffff"/>
-              </a:buClr>
-              <a:buFont typeface="Montserrat"/>
-              <a:buChar char="■"/>
-            </a:pPr>
-            <a:r>
-              <a:rPr b="0" lang="ru" sz="1400" spc="-1" strike="noStrike">
-                <a:solidFill>
-                  <a:schemeClr val="lt1"/>
-                </a:solidFill>
-                <a:latin typeface="Montserrat"/>
-                <a:ea typeface="Montserrat"/>
-              </a:rPr>
-              <a:t>Третий</a:t>
-            </a:r>
-            <a:endParaRPr b="0" lang="ru-RU" sz="1400" spc="-1" strike="noStrike">
-              <a:solidFill>
-                <a:srgbClr val="000000"/>
-              </a:solidFill>
-              <a:latin typeface="Arial"/>
-            </a:endParaRPr>
-          </a:p>
-          <a:p>
-            <a:pPr marL="457200" indent="-355680">
-              <a:lnSpc>
-                <a:spcPct val="115000"/>
-              </a:lnSpc>
-              <a:spcBef>
-                <a:spcPts val="1191"/>
-              </a:spcBef>
-              <a:spcAft>
-                <a:spcPts val="992"/>
-              </a:spcAft>
-              <a:buClr>
-                <a:srgbClr val="ffffff"/>
-              </a:buClr>
-              <a:buFont typeface="Montserrat"/>
-              <a:buChar char="■"/>
-            </a:pPr>
-            <a:r>
-              <a:rPr b="0" lang="ru" sz="1400" spc="-1" strike="noStrike">
-                <a:solidFill>
-                  <a:schemeClr val="lt1"/>
-                </a:solidFill>
-                <a:latin typeface="Montserrat"/>
-                <a:ea typeface="Montserrat"/>
-              </a:rPr>
-              <a:t>Четвертый</a:t>
-            </a:r>
-            <a:endParaRPr b="0" lang="ru-RU" sz="1400" spc="-1" strike="noStrike">
-              <a:solidFill>
-                <a:srgbClr val="000000"/>
-              </a:solidFill>
-              <a:latin typeface="Arial"/>
-            </a:endParaRPr>
-          </a:p>
-          <a:p>
-            <a:pPr marL="457200">
-              <a:lnSpc>
-                <a:spcPct val="115000"/>
-              </a:lnSpc>
-              <a:spcBef>
-                <a:spcPts val="1800"/>
-              </a:spcBef>
-              <a:spcAft>
-                <a:spcPts val="1800"/>
-              </a:spcAft>
-              <a:tabLst>
-                <a:tab algn="l" pos="0"/>
-              </a:tabLst>
-            </a:pPr>
-            <a:endParaRPr b="0" lang="ru-RU" sz="2000" spc="-1" strike="noStrike">
-              <a:solidFill>
-                <a:srgbClr val="000000"/>
-              </a:solidFill>
-              <a:latin typeface="Arial"/>
-            </a:endParaRPr>
-          </a:p>
-        </p:txBody>
-      </p:sp>
-      <p:pic>
-        <p:nvPicPr>
-          <p:cNvPr id="83" name="Google Shape;125;p 5" descr=""/>
-          <p:cNvPicPr/>
-          <p:nvPr/>
-        </p:nvPicPr>
-        <p:blipFill>
-          <a:blip r:embed="rId2"/>
-          <a:stretch/>
-        </p:blipFill>
-        <p:spPr>
-          <a:xfrm>
-            <a:off x="7981200" y="2520000"/>
-            <a:ext cx="948600" cy="2485080"/>
-          </a:xfrm>
-          <a:prstGeom prst="rect">
-            <a:avLst/>
-          </a:prstGeom>
-          <a:ln w="0">
-            <a:noFill/>
-          </a:ln>
-        </p:spPr>
-      </p:pic>
-    </p:spTree>
-  </p:cSld>
-  <mc:AlternateContent>
-    <mc:Choice Requires="p14">
-      <p:transition spd="slow" p14:dur="2000"/>
-    </mc:Choice>
-    <mc:Fallback>
-      <p:transition spd="slow"/>
-    </mc:Fallback>
-  </mc:AlternateContent>
-</p:sld>
-</file>
-
-<file path=ppt/slides/slide13.xml><?xml version="1.0" encoding="utf-8"?>
-<p:sld xmlns:a="http://schemas.openxmlformats.org/drawingml/2006/main" xmlns:p="http://schemas.openxmlformats.org/presentationml/2006/main" xmlns:r="http://schemas.openxmlformats.org/officeDocument/2006/relationships" xmlns:p14="http://schemas.microsoft.com/office/powerpoint/2010/main" xmlns:p15="http://schemas.microsoft.com/office/powerpoint/2012/main" xmlns:mc="http://schemas.openxmlformats.org/markup-compatibility/2006">
-  <p:cSld>
-    <p:spTree>
-      <p:nvGrpSpPr>
-        <p:cNvPr id="1" name=""/>
-        <p:cNvGrpSpPr/>
-        <p:nvPr/>
-      </p:nvGrpSpPr>
-      <p:grpSpPr>
-        <a:xfrm>
-          <a:off x="0" y="0"/>
-          <a:ext cx="0" cy="0"/>
-          <a:chOff x="0" y="0"/>
-          <a:chExt cx="0" cy="0"/>
-        </a:xfrm>
-      </p:grpSpPr>
-      <p:sp>
-        <p:nvSpPr>
-          <p:cNvPr id="84" name="Google Shape;141;p28"/>
-          <p:cNvSpPr/>
-          <p:nvPr/>
-        </p:nvSpPr>
-        <p:spPr>
-          <a:xfrm>
-            <a:off x="0" y="0"/>
-            <a:ext cx="8998200" cy="5038200"/>
-          </a:xfrm>
-          <a:prstGeom prst="rect">
-            <a:avLst/>
-          </a:prstGeom>
-          <a:solidFill>
-            <a:srgbClr val="123194"/>
-          </a:solidFill>
-          <a:ln w="9525">
-            <a:solidFill>
-              <a:srgbClr val="595959"/>
-            </a:solidFill>
-            <a:round/>
-          </a:ln>
-        </p:spPr>
-        <p:style>
-          <a:lnRef idx="0"/>
-          <a:fillRef idx="0"/>
-          <a:effectRef idx="0"/>
-          <a:fontRef idx="minor"/>
-        </p:style>
-        <p:txBody>
-          <a:bodyPr lIns="90000" rIns="90000" tIns="91440" bIns="91440" anchor="ctr">
-            <a:noAutofit/>
-          </a:bodyPr>
-          <a:p>
-            <a:pPr algn="ctr">
-              <a:lnSpc>
-                <a:spcPct val="100000"/>
-              </a:lnSpc>
-              <a:tabLst>
-                <a:tab algn="l" pos="0"/>
-              </a:tabLst>
-            </a:pPr>
-            <a:endParaRPr b="0" lang="ru-RU" sz="1400" spc="-1" strike="noStrike">
-              <a:solidFill>
-                <a:srgbClr val="ffffff"/>
-              </a:solidFill>
-              <a:latin typeface="Arial"/>
-            </a:endParaRPr>
-          </a:p>
-        </p:txBody>
-      </p:sp>
-      <p:pic>
-        <p:nvPicPr>
-          <p:cNvPr id="85" name="Google Shape;142;p28" descr=""/>
-          <p:cNvPicPr/>
-          <p:nvPr/>
-        </p:nvPicPr>
-        <p:blipFill>
-          <a:blip r:embed="rId1"/>
-          <a:stretch/>
-        </p:blipFill>
-        <p:spPr>
-          <a:xfrm>
-            <a:off x="419400" y="4491360"/>
-            <a:ext cx="846000" cy="413640"/>
-          </a:xfrm>
-          <a:prstGeom prst="rect">
-            <a:avLst/>
-          </a:prstGeom>
-          <a:ln w="0">
-            <a:noFill/>
-          </a:ln>
-        </p:spPr>
-      </p:pic>
-      <p:sp>
-        <p:nvSpPr>
-          <p:cNvPr id="86" name="Google Shape;143;p28"/>
-          <p:cNvSpPr/>
-          <p:nvPr/>
-        </p:nvSpPr>
-        <p:spPr>
-          <a:xfrm>
-            <a:off x="348840" y="633240"/>
-            <a:ext cx="7345440" cy="1145880"/>
-          </a:xfrm>
-          <a:prstGeom prst="rect">
-            <a:avLst/>
-          </a:prstGeom>
-          <a:noFill/>
-          <a:ln w="0">
-            <a:noFill/>
-          </a:ln>
-        </p:spPr>
-        <p:style>
-          <a:lnRef idx="0"/>
-          <a:fillRef idx="0"/>
-          <a:effectRef idx="0"/>
-          <a:fontRef idx="minor"/>
-        </p:style>
-        <p:txBody>
-          <a:bodyPr lIns="90000" rIns="90000" tIns="91440" bIns="91440" anchor="t">
-            <a:noAutofit/>
-          </a:bodyPr>
-          <a:p>
-            <a:pPr>
-              <a:lnSpc>
-                <a:spcPct val="100000"/>
-              </a:lnSpc>
               <a:spcBef>
                 <a:spcPts val="1001"/>
               </a:spcBef>
@@ -5038,7 +4578,7 @@
       </p:sp>
       <p:pic>
         <p:nvPicPr>
-          <p:cNvPr id="87" name="Google Shape;144;p28" descr=""/>
+          <p:cNvPr id="81" name="Google Shape;144;p28" descr=""/>
           <p:cNvPicPr/>
           <p:nvPr/>
         </p:nvPicPr>
@@ -5049,7 +4589,7 @@
         <p:spPr>
           <a:xfrm>
             <a:off x="5458320" y="956880"/>
-            <a:ext cx="4437000" cy="4132080"/>
+            <a:ext cx="4436640" cy="4131720"/>
           </a:xfrm>
           <a:prstGeom prst="rect">
             <a:avLst/>
@@ -5098,7 +4638,7 @@
         <p:spPr>
           <a:xfrm>
             <a:off x="360" y="0"/>
-            <a:ext cx="8998200" cy="5038200"/>
+            <a:ext cx="8997840" cy="5037840"/>
           </a:xfrm>
           <a:prstGeom prst="rect">
             <a:avLst/>
@@ -5147,7 +4687,7 @@
         <p:spPr>
           <a:xfrm>
             <a:off x="540000" y="1440000"/>
-            <a:ext cx="7154280" cy="3559320"/>
+            <a:ext cx="7153920" cy="3558960"/>
           </a:xfrm>
           <a:prstGeom prst="rect">
             <a:avLst/>
@@ -5268,17 +4808,7 @@
                 <a:latin typeface="Montserrat"/>
                 <a:ea typeface="Montserrat"/>
               </a:rPr>
-              <a:t>Наголюк Анастасия - первичный анализ и очистка данных, работа с гипотезой №2</a:t>
-            </a:r>
-            <a:r>
-              <a:rPr b="0" lang="ru" sz="1600" spc="-1" strike="noStrike">
-                <a:solidFill>
-                  <a:schemeClr val="lt1"/>
-                </a:solidFill>
-                <a:latin typeface="Montserrat"/>
-                <a:ea typeface="Montserrat"/>
-              </a:rPr>
-              <a:t>, визуализация и часть дашборда</a:t>
+              <a:t>Наголюк Анастасия - первичный анализ и очистка данных, работа с гипотезой №2, визуализация и часть дашборда</a:t>
             </a:r>
             <a:endParaRPr b="0" lang="ru-RU" sz="1600" spc="-1" strike="noStrike">
               <a:solidFill>
@@ -5320,17 +4850,7 @@
                 <a:latin typeface="Montserrat"/>
                 <a:ea typeface="Montserrat"/>
               </a:rPr>
-              <a:t>Ли Кали - первичный анализ и очистка данных, работа с гипотезой №4</a:t>
-            </a:r>
-            <a:r>
-              <a:rPr b="0" lang="ru" sz="1600" spc="-1" strike="noStrike">
-                <a:solidFill>
-                  <a:schemeClr val="lt1"/>
-                </a:solidFill>
-                <a:latin typeface="Montserrat"/>
-                <a:ea typeface="Montserrat"/>
-              </a:rPr>
-              <a:t>, визуализация и часть дашборда</a:t>
+              <a:t>Ли Кали - первичный анализ и очистка данных, работа с гипотезой №4, визуализация и часть дашборда</a:t>
             </a:r>
             <a:endParaRPr b="0" lang="ru-RU" sz="1600" spc="-1" strike="noStrike">
               <a:solidFill>
@@ -5354,7 +4874,7 @@
         <p:spPr>
           <a:xfrm>
             <a:off x="7729560" y="156240"/>
-            <a:ext cx="846000" cy="413640"/>
+            <a:ext cx="845640" cy="413280"/>
           </a:xfrm>
           <a:prstGeom prst="rect">
             <a:avLst/>
@@ -5373,7 +4893,7 @@
         <p:spPr>
           <a:xfrm>
             <a:off x="337680" y="357840"/>
-            <a:ext cx="7345440" cy="1145880"/>
+            <a:ext cx="7345080" cy="1145520"/>
           </a:xfrm>
           <a:prstGeom prst="rect">
             <a:avLst/>
@@ -5460,7 +4980,7 @@
         <p:spPr>
           <a:xfrm>
             <a:off x="12960" y="-9720"/>
-            <a:ext cx="8998200" cy="5038200"/>
+            <a:ext cx="8997840" cy="5037840"/>
           </a:xfrm>
           <a:prstGeom prst="rect">
             <a:avLst/>
@@ -5513,7 +5033,7 @@
         <p:spPr>
           <a:xfrm>
             <a:off x="388800" y="4493160"/>
-            <a:ext cx="846000" cy="413640"/>
+            <a:ext cx="845640" cy="413280"/>
           </a:xfrm>
           <a:prstGeom prst="rect">
             <a:avLst/>
@@ -5532,7 +5052,7 @@
         <p:spPr>
           <a:xfrm>
             <a:off x="340920" y="384480"/>
-            <a:ext cx="8246160" cy="768960"/>
+            <a:ext cx="8245800" cy="768600"/>
           </a:xfrm>
           <a:prstGeom prst="rect">
             <a:avLst/>
@@ -5589,7 +5109,7 @@
         <p:spPr>
           <a:xfrm>
             <a:off x="360000" y="1154880"/>
-            <a:ext cx="7558560" cy="3494880"/>
+            <a:ext cx="7558200" cy="3494520"/>
           </a:xfrm>
           <a:prstGeom prst="rect">
             <a:avLst/>
@@ -5782,7 +5302,7 @@
         <p:spPr>
           <a:xfrm>
             <a:off x="7020000" y="2839320"/>
-            <a:ext cx="1797480" cy="2189160"/>
+            <a:ext cx="1797120" cy="2188800"/>
           </a:xfrm>
           <a:prstGeom prst="rect">
             <a:avLst/>
@@ -5831,7 +5351,7 @@
         <p:spPr>
           <a:xfrm>
             <a:off x="12960" y="-9720"/>
-            <a:ext cx="8998200" cy="5038200"/>
+            <a:ext cx="8997840" cy="5037840"/>
           </a:xfrm>
           <a:prstGeom prst="rect">
             <a:avLst/>
@@ -5884,7 +5404,7 @@
         <p:spPr>
           <a:xfrm>
             <a:off x="388800" y="4493160"/>
-            <a:ext cx="846000" cy="413640"/>
+            <a:ext cx="845640" cy="413280"/>
           </a:xfrm>
           <a:prstGeom prst="rect">
             <a:avLst/>
@@ -5903,7 +5423,7 @@
         <p:spPr>
           <a:xfrm>
             <a:off x="340920" y="384480"/>
-            <a:ext cx="8246160" cy="768960"/>
+            <a:ext cx="8245800" cy="768600"/>
           </a:xfrm>
           <a:prstGeom prst="rect">
             <a:avLst/>
@@ -5960,7 +5480,7 @@
         <p:spPr>
           <a:xfrm>
             <a:off x="360000" y="1154880"/>
-            <a:ext cx="7558560" cy="3494880"/>
+            <a:ext cx="7558200" cy="3494520"/>
           </a:xfrm>
           <a:prstGeom prst="rect">
             <a:avLst/>
@@ -6153,7 +5673,7 @@
         <p:spPr>
           <a:xfrm>
             <a:off x="7981200" y="2520000"/>
-            <a:ext cx="948600" cy="2485080"/>
+            <a:ext cx="948240" cy="2484720"/>
           </a:xfrm>
           <a:prstGeom prst="rect">
             <a:avLst/>
@@ -6202,7 +5722,7 @@
         <p:spPr>
           <a:xfrm>
             <a:off x="459360" y="1317600"/>
-            <a:ext cx="6389640" cy="3149280"/>
+            <a:ext cx="6389280" cy="3148920"/>
           </a:xfrm>
           <a:prstGeom prst="rect">
             <a:avLst/>
@@ -6254,7 +5774,7 @@
         <p:spPr>
           <a:xfrm>
             <a:off x="349560" y="4500000"/>
-            <a:ext cx="8289000" cy="426600"/>
+            <a:ext cx="8288640" cy="426240"/>
           </a:xfrm>
           <a:prstGeom prst="rect">
             <a:avLst/>
@@ -6317,7 +5837,7 @@
         <p:spPr>
           <a:xfrm>
             <a:off x="368640" y="285120"/>
-            <a:ext cx="8246160" cy="768960"/>
+            <a:ext cx="8245800" cy="768600"/>
           </a:xfrm>
           <a:prstGeom prst="rect">
             <a:avLst/>
@@ -6378,7 +5898,7 @@
         <p:spPr>
           <a:xfrm>
             <a:off x="180000" y="360000"/>
-            <a:ext cx="8819640" cy="4112280"/>
+            <a:ext cx="8819280" cy="4111920"/>
           </a:xfrm>
           <a:prstGeom prst="rect">
             <a:avLst/>
@@ -6427,7 +5947,7 @@
         <p:spPr>
           <a:xfrm>
             <a:off x="12960" y="-9720"/>
-            <a:ext cx="8998200" cy="5038200"/>
+            <a:ext cx="8997840" cy="5037840"/>
           </a:xfrm>
           <a:prstGeom prst="rect">
             <a:avLst/>
@@ -6480,7 +6000,7 @@
         <p:spPr>
           <a:xfrm>
             <a:off x="388800" y="4493160"/>
-            <a:ext cx="846000" cy="413640"/>
+            <a:ext cx="845640" cy="413280"/>
           </a:xfrm>
           <a:prstGeom prst="rect">
             <a:avLst/>
@@ -6499,7 +6019,7 @@
         <p:spPr>
           <a:xfrm>
             <a:off x="340920" y="384480"/>
-            <a:ext cx="8246160" cy="768960"/>
+            <a:ext cx="8245800" cy="768600"/>
           </a:xfrm>
           <a:prstGeom prst="rect">
             <a:avLst/>
@@ -6556,7 +6076,7 @@
         <p:spPr>
           <a:xfrm>
             <a:off x="360000" y="1154880"/>
-            <a:ext cx="7558560" cy="3494880"/>
+            <a:ext cx="7558200" cy="3494520"/>
           </a:xfrm>
           <a:prstGeom prst="rect">
             <a:avLst/>
@@ -6601,7 +6121,7 @@
                 <a:latin typeface="Montserrat"/>
                 <a:ea typeface="Montserrat"/>
               </a:rPr>
-              <a:t>Средний показатель будущих возвратов у группы клиентов, использующих меньшее количество устройств для входа - меньше, чем у клиентов использующих большее количество устройств для входа</a:t>
+              <a:t>Клиенты, совершившие покупку в течение первой недели с момента регистрации, более заинтересованы в товаре и характеризуются меньшим значением target</a:t>
             </a:r>
             <a:endParaRPr b="0" lang="ru-RU" sz="1400" spc="-1" strike="noStrike">
               <a:solidFill>
@@ -6635,7 +6155,7 @@
                 <a:latin typeface="Montserrat"/>
                 <a:ea typeface="Montserrat"/>
               </a:rPr>
-              <a:t>Для проверки гипотезы использовался тест «H-критерий Краскела — Уоллиса»</a:t>
+              <a:t>Для проверки гипотезы использовался двухвыборочный t-критерий</a:t>
             </a:r>
             <a:endParaRPr b="0" lang="ru-RU" sz="1400" spc="-1" strike="noStrike">
               <a:solidFill>
@@ -6669,7 +6189,7 @@
                 <a:latin typeface="Montserrat"/>
                 <a:ea typeface="Montserrat"/>
               </a:rPr>
-              <a:t>При уровне значимости 5% обнаружена статистически значимая разница между группами (p-value =  2.28e-58, h-stat = -4.01)</a:t>
+              <a:t>При уровне значимости 5% не обнаружена статистически значимая разница между группами (p-value =  0.44, t-stat = -0.15)</a:t>
             </a:r>
             <a:endParaRPr b="0" lang="ru-RU" sz="1400" spc="-1" strike="noStrike">
               <a:solidFill>
@@ -6703,7 +6223,7 @@
                 <a:latin typeface="Montserrat"/>
                 <a:ea typeface="Montserrat"/>
               </a:rPr>
-              <a:t>Клиенты, использующии большее количество устройст для входа, в среднем имеет более высокий уровень возвратов, чем клиенты использующии небольшое количество устрой на аккаунт. </a:t>
+              <a:t>Согласно результатам проведенного статистического теста, нельзя утверждать, что существует взаимосвязь между показателями </a:t>
             </a:r>
             <a:endParaRPr b="0" lang="ru-RU" sz="1400" spc="-1" strike="noStrike">
               <a:solidFill>
@@ -6749,7 +6269,7 @@
         <p:spPr>
           <a:xfrm>
             <a:off x="7981200" y="2520000"/>
-            <a:ext cx="948600" cy="2485080"/>
+            <a:ext cx="948240" cy="2484720"/>
           </a:xfrm>
           <a:prstGeom prst="rect">
             <a:avLst/>
@@ -6798,7 +6318,7 @@
         <p:spPr>
           <a:xfrm>
             <a:off x="459360" y="1317600"/>
-            <a:ext cx="6389640" cy="3149280"/>
+            <a:ext cx="6389280" cy="3148920"/>
           </a:xfrm>
           <a:prstGeom prst="rect">
             <a:avLst/>
@@ -6847,7 +6367,7 @@
         <p:spPr>
           <a:xfrm>
             <a:off x="349560" y="4467240"/>
-            <a:ext cx="8289000" cy="459360"/>
+            <a:ext cx="8288640" cy="459000"/>
           </a:xfrm>
           <a:prstGeom prst="rect">
             <a:avLst/>
@@ -6910,7 +6430,7 @@
         <p:spPr>
           <a:xfrm>
             <a:off x="368640" y="285120"/>
-            <a:ext cx="8246160" cy="768960"/>
+            <a:ext cx="8245800" cy="768600"/>
           </a:xfrm>
           <a:prstGeom prst="rect">
             <a:avLst/>
@@ -6971,7 +6491,7 @@
         <p:spPr>
           <a:xfrm>
             <a:off x="180000" y="360000"/>
-            <a:ext cx="8638560" cy="4219920"/>
+            <a:ext cx="8638200" cy="4219560"/>
           </a:xfrm>
           <a:prstGeom prst="rect">
             <a:avLst/>
@@ -6994,7 +6514,7 @@
         <p:spPr>
           <a:xfrm>
             <a:off x="180000" y="99720"/>
-            <a:ext cx="8681400" cy="4399920"/>
+            <a:ext cx="8681040" cy="4399560"/>
           </a:xfrm>
           <a:prstGeom prst="rect">
             <a:avLst/>
@@ -7043,7 +6563,7 @@
         <p:spPr>
           <a:xfrm>
             <a:off x="12960" y="-9720"/>
-            <a:ext cx="8998200" cy="5038200"/>
+            <a:ext cx="8997840" cy="5037840"/>
           </a:xfrm>
           <a:prstGeom prst="rect">
             <a:avLst/>
@@ -7096,7 +6616,7 @@
         <p:spPr>
           <a:xfrm>
             <a:off x="388800" y="4493160"/>
-            <a:ext cx="846000" cy="413640"/>
+            <a:ext cx="845640" cy="413280"/>
           </a:xfrm>
           <a:prstGeom prst="rect">
             <a:avLst/>
@@ -7115,7 +6635,7 @@
         <p:spPr>
           <a:xfrm>
             <a:off x="340920" y="384480"/>
-            <a:ext cx="8246160" cy="768960"/>
+            <a:ext cx="8245800" cy="768600"/>
           </a:xfrm>
           <a:prstGeom prst="rect">
             <a:avLst/>
@@ -7172,7 +6692,7 @@
         <p:spPr>
           <a:xfrm>
             <a:off x="360000" y="1154880"/>
-            <a:ext cx="7558560" cy="3494880"/>
+            <a:ext cx="7558200" cy="3494520"/>
           </a:xfrm>
           <a:prstGeom prst="rect">
             <a:avLst/>
@@ -7365,7 +6885,7 @@
         <p:spPr>
           <a:xfrm>
             <a:off x="7981200" y="2520000"/>
-            <a:ext cx="948600" cy="2485080"/>
+            <a:ext cx="948240" cy="2484720"/>
           </a:xfrm>
           <a:prstGeom prst="rect">
             <a:avLst/>
@@ -7418,7 +6938,7 @@
         <p:spPr>
           <a:xfrm>
             <a:off x="914400" y="194760"/>
-            <a:ext cx="7504560" cy="4590000"/>
+            <a:ext cx="7504200" cy="4589640"/>
           </a:xfrm>
           <a:prstGeom prst="rect">
             <a:avLst/>
